--- a/ppt 16-9/1488.各按其时何等.pptx
+++ b/ppt 16-9/1488.各按其时何等.pptx
@@ -129,7 +129,7 @@
           <p:cNvPr id="2" name="标题 1">
             <a:extLst>
               <a:ext uri="{FF2B5EF4-FFF2-40B4-BE49-F238E27FC236}">
-                <a16:creationId xmlns:a16="http://schemas.microsoft.com/office/drawing/2014/main" id="{7FC40E82-7D74-5875-4CF7-F8F7E2C1D397}"/>
+                <a16:creationId xmlns:a16="http://schemas.microsoft.com/office/drawing/2014/main" id="{8E1C3ADC-4445-41DE-E058-DCA5631D9672}"/>
               </a:ext>
             </a:extLst>
           </p:cNvPr>
@@ -166,7 +166,7 @@
           <p:cNvPr id="3" name="副标题 2">
             <a:extLst>
               <a:ext uri="{FF2B5EF4-FFF2-40B4-BE49-F238E27FC236}">
-                <a16:creationId xmlns:a16="http://schemas.microsoft.com/office/drawing/2014/main" id="{289D12EF-62EB-3F84-BB06-0CD356A9A356}"/>
+                <a16:creationId xmlns:a16="http://schemas.microsoft.com/office/drawing/2014/main" id="{13EABB24-DA8C-0180-C878-467A746B469C}"/>
               </a:ext>
             </a:extLst>
           </p:cNvPr>
@@ -236,7 +236,7 @@
           <p:cNvPr id="4" name="日期占位符 3">
             <a:extLst>
               <a:ext uri="{FF2B5EF4-FFF2-40B4-BE49-F238E27FC236}">
-                <a16:creationId xmlns:a16="http://schemas.microsoft.com/office/drawing/2014/main" id="{5391A6A2-E614-DF06-4DDF-D2ADD0CE3191}"/>
+                <a16:creationId xmlns:a16="http://schemas.microsoft.com/office/drawing/2014/main" id="{315B4B00-6A0D-53EC-08C3-1DDCD8D2EFAC}"/>
               </a:ext>
             </a:extLst>
           </p:cNvPr>
@@ -252,7 +252,7 @@
           <a:bodyPr/>
           <a:lstStyle/>
           <a:p>
-            <a:fld id="{AA494C2F-77BF-4954-A0CD-9783FAB22131}" type="datetimeFigureOut">
+            <a:fld id="{98DEDE36-C284-4736-B4B5-47DA388DF86C}" type="datetimeFigureOut">
               <a:rPr lang="zh-CN" altLang="en-US" smtClean="0"/>
               <a:t>2024/3/10</a:t>
             </a:fld>
@@ -265,7 +265,7 @@
           <p:cNvPr id="5" name="页脚占位符 4">
             <a:extLst>
               <a:ext uri="{FF2B5EF4-FFF2-40B4-BE49-F238E27FC236}">
-                <a16:creationId xmlns:a16="http://schemas.microsoft.com/office/drawing/2014/main" id="{ACBE3FB3-E60F-21E4-46B0-F469B395D040}"/>
+                <a16:creationId xmlns:a16="http://schemas.microsoft.com/office/drawing/2014/main" id="{D08230B2-D669-6CC3-E2DC-FB2093C46D38}"/>
               </a:ext>
             </a:extLst>
           </p:cNvPr>
@@ -290,7 +290,7 @@
           <p:cNvPr id="6" name="灯片编号占位符 5">
             <a:extLst>
               <a:ext uri="{FF2B5EF4-FFF2-40B4-BE49-F238E27FC236}">
-                <a16:creationId xmlns:a16="http://schemas.microsoft.com/office/drawing/2014/main" id="{BEA2D0C8-7E23-489B-6B2C-7142822EEDB9}"/>
+                <a16:creationId xmlns:a16="http://schemas.microsoft.com/office/drawing/2014/main" id="{2450BA45-A233-F80A-1850-6059469364AD}"/>
               </a:ext>
             </a:extLst>
           </p:cNvPr>
@@ -306,7 +306,7 @@
           <a:bodyPr/>
           <a:lstStyle/>
           <a:p>
-            <a:fld id="{375DDF2C-2945-40C2-9992-AD4FD82ADEB2}" type="slidenum">
+            <a:fld id="{5533CF56-40E3-454B-B770-FE594F437D4B}" type="slidenum">
               <a:rPr lang="zh-CN" altLang="en-US" smtClean="0"/>
               <a:t>‹#›</a:t>
             </a:fld>
@@ -317,7 +317,7 @@
     </p:spTree>
     <p:extLst>
       <p:ext uri="{BB962C8B-B14F-4D97-AF65-F5344CB8AC3E}">
-        <p14:creationId xmlns:p14="http://schemas.microsoft.com/office/powerpoint/2010/main" val="1690610777"/>
+        <p14:creationId xmlns:p14="http://schemas.microsoft.com/office/powerpoint/2010/main" val="1348931264"/>
       </p:ext>
     </p:extLst>
   </p:cSld>
@@ -349,7 +349,7 @@
           <p:cNvPr id="2" name="标题 1">
             <a:extLst>
               <a:ext uri="{FF2B5EF4-FFF2-40B4-BE49-F238E27FC236}">
-                <a16:creationId xmlns:a16="http://schemas.microsoft.com/office/drawing/2014/main" id="{B582FBB1-09D2-32E0-A113-33895BA3395C}"/>
+                <a16:creationId xmlns:a16="http://schemas.microsoft.com/office/drawing/2014/main" id="{530487AF-1A9A-47D0-0855-B02885F57C29}"/>
               </a:ext>
             </a:extLst>
           </p:cNvPr>
@@ -377,7 +377,7 @@
           <p:cNvPr id="3" name="竖排文字占位符 2">
             <a:extLst>
               <a:ext uri="{FF2B5EF4-FFF2-40B4-BE49-F238E27FC236}">
-                <a16:creationId xmlns:a16="http://schemas.microsoft.com/office/drawing/2014/main" id="{BE78AFB8-D003-EDD4-9629-0B4A13064B18}"/>
+                <a16:creationId xmlns:a16="http://schemas.microsoft.com/office/drawing/2014/main" id="{059BCE00-FFCA-272E-7B20-63C214B2F069}"/>
               </a:ext>
             </a:extLst>
           </p:cNvPr>
@@ -434,7 +434,7 @@
           <p:cNvPr id="4" name="日期占位符 3">
             <a:extLst>
               <a:ext uri="{FF2B5EF4-FFF2-40B4-BE49-F238E27FC236}">
-                <a16:creationId xmlns:a16="http://schemas.microsoft.com/office/drawing/2014/main" id="{56ACD5D8-8BED-0C86-B867-0761414123BB}"/>
+                <a16:creationId xmlns:a16="http://schemas.microsoft.com/office/drawing/2014/main" id="{21DA290B-762D-0A3D-632E-BA04EA9C6240}"/>
               </a:ext>
             </a:extLst>
           </p:cNvPr>
@@ -450,7 +450,7 @@
           <a:bodyPr/>
           <a:lstStyle/>
           <a:p>
-            <a:fld id="{AA494C2F-77BF-4954-A0CD-9783FAB22131}" type="datetimeFigureOut">
+            <a:fld id="{98DEDE36-C284-4736-B4B5-47DA388DF86C}" type="datetimeFigureOut">
               <a:rPr lang="zh-CN" altLang="en-US" smtClean="0"/>
               <a:t>2024/3/10</a:t>
             </a:fld>
@@ -463,7 +463,7 @@
           <p:cNvPr id="5" name="页脚占位符 4">
             <a:extLst>
               <a:ext uri="{FF2B5EF4-FFF2-40B4-BE49-F238E27FC236}">
-                <a16:creationId xmlns:a16="http://schemas.microsoft.com/office/drawing/2014/main" id="{0DFCC370-217C-8E15-AB0D-76C5B90EAA39}"/>
+                <a16:creationId xmlns:a16="http://schemas.microsoft.com/office/drawing/2014/main" id="{EC408DBE-3FE1-3667-0FDC-B2FE3D637759}"/>
               </a:ext>
             </a:extLst>
           </p:cNvPr>
@@ -488,7 +488,7 @@
           <p:cNvPr id="6" name="灯片编号占位符 5">
             <a:extLst>
               <a:ext uri="{FF2B5EF4-FFF2-40B4-BE49-F238E27FC236}">
-                <a16:creationId xmlns:a16="http://schemas.microsoft.com/office/drawing/2014/main" id="{B2CB4649-BE85-15DD-D133-BAC223BACCFA}"/>
+                <a16:creationId xmlns:a16="http://schemas.microsoft.com/office/drawing/2014/main" id="{155928A2-AD83-A9A8-C255-64998432B5BF}"/>
               </a:ext>
             </a:extLst>
           </p:cNvPr>
@@ -504,7 +504,7 @@
           <a:bodyPr/>
           <a:lstStyle/>
           <a:p>
-            <a:fld id="{375DDF2C-2945-40C2-9992-AD4FD82ADEB2}" type="slidenum">
+            <a:fld id="{5533CF56-40E3-454B-B770-FE594F437D4B}" type="slidenum">
               <a:rPr lang="zh-CN" altLang="en-US" smtClean="0"/>
               <a:t>‹#›</a:t>
             </a:fld>
@@ -515,7 +515,7 @@
     </p:spTree>
     <p:extLst>
       <p:ext uri="{BB962C8B-B14F-4D97-AF65-F5344CB8AC3E}">
-        <p14:creationId xmlns:p14="http://schemas.microsoft.com/office/powerpoint/2010/main" val="670064915"/>
+        <p14:creationId xmlns:p14="http://schemas.microsoft.com/office/powerpoint/2010/main" val="2659870283"/>
       </p:ext>
     </p:extLst>
   </p:cSld>
@@ -547,7 +547,7 @@
           <p:cNvPr id="2" name="竖排标题 1">
             <a:extLst>
               <a:ext uri="{FF2B5EF4-FFF2-40B4-BE49-F238E27FC236}">
-                <a16:creationId xmlns:a16="http://schemas.microsoft.com/office/drawing/2014/main" id="{142C42CC-79C5-D5F4-FC29-E2CD59F26E07}"/>
+                <a16:creationId xmlns:a16="http://schemas.microsoft.com/office/drawing/2014/main" id="{D66E0EA6-A50A-1528-878F-BB8F9BAE0741}"/>
               </a:ext>
             </a:extLst>
           </p:cNvPr>
@@ -580,7 +580,7 @@
           <p:cNvPr id="3" name="竖排文字占位符 2">
             <a:extLst>
               <a:ext uri="{FF2B5EF4-FFF2-40B4-BE49-F238E27FC236}">
-                <a16:creationId xmlns:a16="http://schemas.microsoft.com/office/drawing/2014/main" id="{6CEB56C3-C169-D5EB-E760-157F797D6F96}"/>
+                <a16:creationId xmlns:a16="http://schemas.microsoft.com/office/drawing/2014/main" id="{AF6A08A5-C689-549B-5F2C-C2D2DE365147}"/>
               </a:ext>
             </a:extLst>
           </p:cNvPr>
@@ -642,7 +642,7 @@
           <p:cNvPr id="4" name="日期占位符 3">
             <a:extLst>
               <a:ext uri="{FF2B5EF4-FFF2-40B4-BE49-F238E27FC236}">
-                <a16:creationId xmlns:a16="http://schemas.microsoft.com/office/drawing/2014/main" id="{089B2261-19A1-1880-1F2F-BBB1114B613F}"/>
+                <a16:creationId xmlns:a16="http://schemas.microsoft.com/office/drawing/2014/main" id="{DC316B14-7676-C223-E9D6-3B637F6071A3}"/>
               </a:ext>
             </a:extLst>
           </p:cNvPr>
@@ -658,7 +658,7 @@
           <a:bodyPr/>
           <a:lstStyle/>
           <a:p>
-            <a:fld id="{AA494C2F-77BF-4954-A0CD-9783FAB22131}" type="datetimeFigureOut">
+            <a:fld id="{98DEDE36-C284-4736-B4B5-47DA388DF86C}" type="datetimeFigureOut">
               <a:rPr lang="zh-CN" altLang="en-US" smtClean="0"/>
               <a:t>2024/3/10</a:t>
             </a:fld>
@@ -671,7 +671,7 @@
           <p:cNvPr id="5" name="页脚占位符 4">
             <a:extLst>
               <a:ext uri="{FF2B5EF4-FFF2-40B4-BE49-F238E27FC236}">
-                <a16:creationId xmlns:a16="http://schemas.microsoft.com/office/drawing/2014/main" id="{F6E7015A-87B8-78F2-F29D-F24FC32EB82D}"/>
+                <a16:creationId xmlns:a16="http://schemas.microsoft.com/office/drawing/2014/main" id="{9C49F362-D27D-B387-ADB6-501A74F73695}"/>
               </a:ext>
             </a:extLst>
           </p:cNvPr>
@@ -696,7 +696,7 @@
           <p:cNvPr id="6" name="灯片编号占位符 5">
             <a:extLst>
               <a:ext uri="{FF2B5EF4-FFF2-40B4-BE49-F238E27FC236}">
-                <a16:creationId xmlns:a16="http://schemas.microsoft.com/office/drawing/2014/main" id="{F6F4493F-5A0B-6248-A2C0-1581C4C29EC9}"/>
+                <a16:creationId xmlns:a16="http://schemas.microsoft.com/office/drawing/2014/main" id="{81522013-E51F-8DF5-847A-23813A24DF0A}"/>
               </a:ext>
             </a:extLst>
           </p:cNvPr>
@@ -712,7 +712,7 @@
           <a:bodyPr/>
           <a:lstStyle/>
           <a:p>
-            <a:fld id="{375DDF2C-2945-40C2-9992-AD4FD82ADEB2}" type="slidenum">
+            <a:fld id="{5533CF56-40E3-454B-B770-FE594F437D4B}" type="slidenum">
               <a:rPr lang="zh-CN" altLang="en-US" smtClean="0"/>
               <a:t>‹#›</a:t>
             </a:fld>
@@ -723,7 +723,7 @@
     </p:spTree>
     <p:extLst>
       <p:ext uri="{BB962C8B-B14F-4D97-AF65-F5344CB8AC3E}">
-        <p14:creationId xmlns:p14="http://schemas.microsoft.com/office/powerpoint/2010/main" val="69160191"/>
+        <p14:creationId xmlns:p14="http://schemas.microsoft.com/office/powerpoint/2010/main" val="1591325646"/>
       </p:ext>
     </p:extLst>
   </p:cSld>
@@ -755,7 +755,7 @@
           <p:cNvPr id="2" name="标题 1">
             <a:extLst>
               <a:ext uri="{FF2B5EF4-FFF2-40B4-BE49-F238E27FC236}">
-                <a16:creationId xmlns:a16="http://schemas.microsoft.com/office/drawing/2014/main" id="{152B6403-A884-B32F-A7C2-9F78AB2AE6A6}"/>
+                <a16:creationId xmlns:a16="http://schemas.microsoft.com/office/drawing/2014/main" id="{ABFAAB47-B6B5-A233-0282-3E7C276CB10E}"/>
               </a:ext>
             </a:extLst>
           </p:cNvPr>
@@ -783,7 +783,7 @@
           <p:cNvPr id="3" name="内容占位符 2">
             <a:extLst>
               <a:ext uri="{FF2B5EF4-FFF2-40B4-BE49-F238E27FC236}">
-                <a16:creationId xmlns:a16="http://schemas.microsoft.com/office/drawing/2014/main" id="{01D69DBD-9EE7-89FA-85E2-0BE77B9F5068}"/>
+                <a16:creationId xmlns:a16="http://schemas.microsoft.com/office/drawing/2014/main" id="{25DE214D-A264-1467-8BFF-9F7D30384EAD}"/>
               </a:ext>
             </a:extLst>
           </p:cNvPr>
@@ -840,7 +840,7 @@
           <p:cNvPr id="4" name="日期占位符 3">
             <a:extLst>
               <a:ext uri="{FF2B5EF4-FFF2-40B4-BE49-F238E27FC236}">
-                <a16:creationId xmlns:a16="http://schemas.microsoft.com/office/drawing/2014/main" id="{E82C3E8C-3CA4-4760-23FF-A6E38C922101}"/>
+                <a16:creationId xmlns:a16="http://schemas.microsoft.com/office/drawing/2014/main" id="{A2AAB21F-EFDD-8247-DEB7-DC1A8623997B}"/>
               </a:ext>
             </a:extLst>
           </p:cNvPr>
@@ -856,7 +856,7 @@
           <a:bodyPr/>
           <a:lstStyle/>
           <a:p>
-            <a:fld id="{AA494C2F-77BF-4954-A0CD-9783FAB22131}" type="datetimeFigureOut">
+            <a:fld id="{98DEDE36-C284-4736-B4B5-47DA388DF86C}" type="datetimeFigureOut">
               <a:rPr lang="zh-CN" altLang="en-US" smtClean="0"/>
               <a:t>2024/3/10</a:t>
             </a:fld>
@@ -869,7 +869,7 @@
           <p:cNvPr id="5" name="页脚占位符 4">
             <a:extLst>
               <a:ext uri="{FF2B5EF4-FFF2-40B4-BE49-F238E27FC236}">
-                <a16:creationId xmlns:a16="http://schemas.microsoft.com/office/drawing/2014/main" id="{656DAC1E-406F-9F19-E17D-853514F3EAC9}"/>
+                <a16:creationId xmlns:a16="http://schemas.microsoft.com/office/drawing/2014/main" id="{3E8A1874-6729-F8C8-EE84-C5710CB4BC93}"/>
               </a:ext>
             </a:extLst>
           </p:cNvPr>
@@ -894,7 +894,7 @@
           <p:cNvPr id="6" name="灯片编号占位符 5">
             <a:extLst>
               <a:ext uri="{FF2B5EF4-FFF2-40B4-BE49-F238E27FC236}">
-                <a16:creationId xmlns:a16="http://schemas.microsoft.com/office/drawing/2014/main" id="{56C9443F-763F-316A-7E0E-67633199A808}"/>
+                <a16:creationId xmlns:a16="http://schemas.microsoft.com/office/drawing/2014/main" id="{B6E79DF5-043C-A2CB-0AF5-F9B1A7D0DB0E}"/>
               </a:ext>
             </a:extLst>
           </p:cNvPr>
@@ -910,7 +910,7 @@
           <a:bodyPr/>
           <a:lstStyle/>
           <a:p>
-            <a:fld id="{375DDF2C-2945-40C2-9992-AD4FD82ADEB2}" type="slidenum">
+            <a:fld id="{5533CF56-40E3-454B-B770-FE594F437D4B}" type="slidenum">
               <a:rPr lang="zh-CN" altLang="en-US" smtClean="0"/>
               <a:t>‹#›</a:t>
             </a:fld>
@@ -921,7 +921,7 @@
     </p:spTree>
     <p:extLst>
       <p:ext uri="{BB962C8B-B14F-4D97-AF65-F5344CB8AC3E}">
-        <p14:creationId xmlns:p14="http://schemas.microsoft.com/office/powerpoint/2010/main" val="1017931250"/>
+        <p14:creationId xmlns:p14="http://schemas.microsoft.com/office/powerpoint/2010/main" val="893285675"/>
       </p:ext>
     </p:extLst>
   </p:cSld>
@@ -953,7 +953,7 @@
           <p:cNvPr id="2" name="标题 1">
             <a:extLst>
               <a:ext uri="{FF2B5EF4-FFF2-40B4-BE49-F238E27FC236}">
-                <a16:creationId xmlns:a16="http://schemas.microsoft.com/office/drawing/2014/main" id="{079F695A-877C-FAAF-3B34-67711C84226E}"/>
+                <a16:creationId xmlns:a16="http://schemas.microsoft.com/office/drawing/2014/main" id="{4353838C-D14C-E770-4550-E4D5FB5A2336}"/>
               </a:ext>
             </a:extLst>
           </p:cNvPr>
@@ -990,7 +990,7 @@
           <p:cNvPr id="3" name="文本占位符 2">
             <a:extLst>
               <a:ext uri="{FF2B5EF4-FFF2-40B4-BE49-F238E27FC236}">
-                <a16:creationId xmlns:a16="http://schemas.microsoft.com/office/drawing/2014/main" id="{D6623B32-767F-2302-8D91-EAB5B656F72B}"/>
+                <a16:creationId xmlns:a16="http://schemas.microsoft.com/office/drawing/2014/main" id="{FCBB3419-ACB0-2452-BF7D-9E15CBC1FC56}"/>
               </a:ext>
             </a:extLst>
           </p:cNvPr>
@@ -1115,7 +1115,7 @@
           <p:cNvPr id="4" name="日期占位符 3">
             <a:extLst>
               <a:ext uri="{FF2B5EF4-FFF2-40B4-BE49-F238E27FC236}">
-                <a16:creationId xmlns:a16="http://schemas.microsoft.com/office/drawing/2014/main" id="{85C0F140-C9A3-A928-7DC8-499EB8CCFEA9}"/>
+                <a16:creationId xmlns:a16="http://schemas.microsoft.com/office/drawing/2014/main" id="{9C5132E1-D304-B8DA-E2C3-CD5F6CB7AE94}"/>
               </a:ext>
             </a:extLst>
           </p:cNvPr>
@@ -1131,7 +1131,7 @@
           <a:bodyPr/>
           <a:lstStyle/>
           <a:p>
-            <a:fld id="{AA494C2F-77BF-4954-A0CD-9783FAB22131}" type="datetimeFigureOut">
+            <a:fld id="{98DEDE36-C284-4736-B4B5-47DA388DF86C}" type="datetimeFigureOut">
               <a:rPr lang="zh-CN" altLang="en-US" smtClean="0"/>
               <a:t>2024/3/10</a:t>
             </a:fld>
@@ -1144,7 +1144,7 @@
           <p:cNvPr id="5" name="页脚占位符 4">
             <a:extLst>
               <a:ext uri="{FF2B5EF4-FFF2-40B4-BE49-F238E27FC236}">
-                <a16:creationId xmlns:a16="http://schemas.microsoft.com/office/drawing/2014/main" id="{5EA78D02-AB96-D5D8-80AB-CD43D133B3BB}"/>
+                <a16:creationId xmlns:a16="http://schemas.microsoft.com/office/drawing/2014/main" id="{D0E6256D-5E58-27CE-8080-25D7B8B81147}"/>
               </a:ext>
             </a:extLst>
           </p:cNvPr>
@@ -1169,7 +1169,7 @@
           <p:cNvPr id="6" name="灯片编号占位符 5">
             <a:extLst>
               <a:ext uri="{FF2B5EF4-FFF2-40B4-BE49-F238E27FC236}">
-                <a16:creationId xmlns:a16="http://schemas.microsoft.com/office/drawing/2014/main" id="{D3EC0866-20A5-C7E8-2B65-3405C197ED52}"/>
+                <a16:creationId xmlns:a16="http://schemas.microsoft.com/office/drawing/2014/main" id="{B052CDD6-889F-C8B0-E587-FDE17BFDAF74}"/>
               </a:ext>
             </a:extLst>
           </p:cNvPr>
@@ -1185,7 +1185,7 @@
           <a:bodyPr/>
           <a:lstStyle/>
           <a:p>
-            <a:fld id="{375DDF2C-2945-40C2-9992-AD4FD82ADEB2}" type="slidenum">
+            <a:fld id="{5533CF56-40E3-454B-B770-FE594F437D4B}" type="slidenum">
               <a:rPr lang="zh-CN" altLang="en-US" smtClean="0"/>
               <a:t>‹#›</a:t>
             </a:fld>
@@ -1196,7 +1196,7 @@
     </p:spTree>
     <p:extLst>
       <p:ext uri="{BB962C8B-B14F-4D97-AF65-F5344CB8AC3E}">
-        <p14:creationId xmlns:p14="http://schemas.microsoft.com/office/powerpoint/2010/main" val="1637847884"/>
+        <p14:creationId xmlns:p14="http://schemas.microsoft.com/office/powerpoint/2010/main" val="1902955394"/>
       </p:ext>
     </p:extLst>
   </p:cSld>
@@ -1228,7 +1228,7 @@
           <p:cNvPr id="2" name="标题 1">
             <a:extLst>
               <a:ext uri="{FF2B5EF4-FFF2-40B4-BE49-F238E27FC236}">
-                <a16:creationId xmlns:a16="http://schemas.microsoft.com/office/drawing/2014/main" id="{07BFFEB8-69CE-69B8-0B1E-558FDF408A36}"/>
+                <a16:creationId xmlns:a16="http://schemas.microsoft.com/office/drawing/2014/main" id="{A976D57E-3D54-0D9D-CD52-5A2FBA8DA1DB}"/>
               </a:ext>
             </a:extLst>
           </p:cNvPr>
@@ -1256,7 +1256,7 @@
           <p:cNvPr id="3" name="内容占位符 2">
             <a:extLst>
               <a:ext uri="{FF2B5EF4-FFF2-40B4-BE49-F238E27FC236}">
-                <a16:creationId xmlns:a16="http://schemas.microsoft.com/office/drawing/2014/main" id="{D072B71B-203E-A16F-A27B-821526DDD543}"/>
+                <a16:creationId xmlns:a16="http://schemas.microsoft.com/office/drawing/2014/main" id="{C5E24DC0-D1CC-AEA5-2629-54C3F4028E67}"/>
               </a:ext>
             </a:extLst>
           </p:cNvPr>
@@ -1318,7 +1318,7 @@
           <p:cNvPr id="4" name="内容占位符 3">
             <a:extLst>
               <a:ext uri="{FF2B5EF4-FFF2-40B4-BE49-F238E27FC236}">
-                <a16:creationId xmlns:a16="http://schemas.microsoft.com/office/drawing/2014/main" id="{1D0FD779-B319-349C-59BC-4B26563FC455}"/>
+                <a16:creationId xmlns:a16="http://schemas.microsoft.com/office/drawing/2014/main" id="{18257ADA-085B-F108-9E87-A43D03070CC1}"/>
               </a:ext>
             </a:extLst>
           </p:cNvPr>
@@ -1380,7 +1380,7 @@
           <p:cNvPr id="5" name="日期占位符 4">
             <a:extLst>
               <a:ext uri="{FF2B5EF4-FFF2-40B4-BE49-F238E27FC236}">
-                <a16:creationId xmlns:a16="http://schemas.microsoft.com/office/drawing/2014/main" id="{EB3F997E-E14E-5380-5F60-B9D3244B5099}"/>
+                <a16:creationId xmlns:a16="http://schemas.microsoft.com/office/drawing/2014/main" id="{A47A273F-8166-B25B-49D4-BEEF00C87800}"/>
               </a:ext>
             </a:extLst>
           </p:cNvPr>
@@ -1396,7 +1396,7 @@
           <a:bodyPr/>
           <a:lstStyle/>
           <a:p>
-            <a:fld id="{AA494C2F-77BF-4954-A0CD-9783FAB22131}" type="datetimeFigureOut">
+            <a:fld id="{98DEDE36-C284-4736-B4B5-47DA388DF86C}" type="datetimeFigureOut">
               <a:rPr lang="zh-CN" altLang="en-US" smtClean="0"/>
               <a:t>2024/3/10</a:t>
             </a:fld>
@@ -1409,7 +1409,7 @@
           <p:cNvPr id="6" name="页脚占位符 5">
             <a:extLst>
               <a:ext uri="{FF2B5EF4-FFF2-40B4-BE49-F238E27FC236}">
-                <a16:creationId xmlns:a16="http://schemas.microsoft.com/office/drawing/2014/main" id="{C3F32A05-8078-C3B6-4CEA-C73E9CE94174}"/>
+                <a16:creationId xmlns:a16="http://schemas.microsoft.com/office/drawing/2014/main" id="{ECE611FB-7502-21C9-AE81-5509B5BADF11}"/>
               </a:ext>
             </a:extLst>
           </p:cNvPr>
@@ -1434,7 +1434,7 @@
           <p:cNvPr id="7" name="灯片编号占位符 6">
             <a:extLst>
               <a:ext uri="{FF2B5EF4-FFF2-40B4-BE49-F238E27FC236}">
-                <a16:creationId xmlns:a16="http://schemas.microsoft.com/office/drawing/2014/main" id="{041D773C-1322-229C-74DC-5D495AEC246E}"/>
+                <a16:creationId xmlns:a16="http://schemas.microsoft.com/office/drawing/2014/main" id="{B7C5D817-D590-8B90-35BC-876672DAF938}"/>
               </a:ext>
             </a:extLst>
           </p:cNvPr>
@@ -1450,7 +1450,7 @@
           <a:bodyPr/>
           <a:lstStyle/>
           <a:p>
-            <a:fld id="{375DDF2C-2945-40C2-9992-AD4FD82ADEB2}" type="slidenum">
+            <a:fld id="{5533CF56-40E3-454B-B770-FE594F437D4B}" type="slidenum">
               <a:rPr lang="zh-CN" altLang="en-US" smtClean="0"/>
               <a:t>‹#›</a:t>
             </a:fld>
@@ -1461,7 +1461,7 @@
     </p:spTree>
     <p:extLst>
       <p:ext uri="{BB962C8B-B14F-4D97-AF65-F5344CB8AC3E}">
-        <p14:creationId xmlns:p14="http://schemas.microsoft.com/office/powerpoint/2010/main" val="219492341"/>
+        <p14:creationId xmlns:p14="http://schemas.microsoft.com/office/powerpoint/2010/main" val="2974059605"/>
       </p:ext>
     </p:extLst>
   </p:cSld>
@@ -1493,7 +1493,7 @@
           <p:cNvPr id="2" name="标题 1">
             <a:extLst>
               <a:ext uri="{FF2B5EF4-FFF2-40B4-BE49-F238E27FC236}">
-                <a16:creationId xmlns:a16="http://schemas.microsoft.com/office/drawing/2014/main" id="{D6551EA9-98BD-1349-FFD2-AC9872C93B38}"/>
+                <a16:creationId xmlns:a16="http://schemas.microsoft.com/office/drawing/2014/main" id="{BEEDBD66-FA34-9031-8021-853F9E49EBB5}"/>
               </a:ext>
             </a:extLst>
           </p:cNvPr>
@@ -1526,7 +1526,7 @@
           <p:cNvPr id="3" name="文本占位符 2">
             <a:extLst>
               <a:ext uri="{FF2B5EF4-FFF2-40B4-BE49-F238E27FC236}">
-                <a16:creationId xmlns:a16="http://schemas.microsoft.com/office/drawing/2014/main" id="{F238E3F5-6FE4-96A1-5AC7-A25DE191B55A}"/>
+                <a16:creationId xmlns:a16="http://schemas.microsoft.com/office/drawing/2014/main" id="{B1C972C2-E253-A240-F1DA-AF8EB6D2E61C}"/>
               </a:ext>
             </a:extLst>
           </p:cNvPr>
@@ -1597,7 +1597,7 @@
           <p:cNvPr id="4" name="内容占位符 3">
             <a:extLst>
               <a:ext uri="{FF2B5EF4-FFF2-40B4-BE49-F238E27FC236}">
-                <a16:creationId xmlns:a16="http://schemas.microsoft.com/office/drawing/2014/main" id="{708F988F-0846-97DF-94D8-66F2134A7A88}"/>
+                <a16:creationId xmlns:a16="http://schemas.microsoft.com/office/drawing/2014/main" id="{7A1E7725-9E05-251B-9BFB-82B7E69A9998}"/>
               </a:ext>
             </a:extLst>
           </p:cNvPr>
@@ -1659,7 +1659,7 @@
           <p:cNvPr id="5" name="文本占位符 4">
             <a:extLst>
               <a:ext uri="{FF2B5EF4-FFF2-40B4-BE49-F238E27FC236}">
-                <a16:creationId xmlns:a16="http://schemas.microsoft.com/office/drawing/2014/main" id="{0EB61C1C-19A9-2214-776B-C305802A684E}"/>
+                <a16:creationId xmlns:a16="http://schemas.microsoft.com/office/drawing/2014/main" id="{69E18078-7C80-2588-63BB-D4F67B394E59}"/>
               </a:ext>
             </a:extLst>
           </p:cNvPr>
@@ -1730,7 +1730,7 @@
           <p:cNvPr id="6" name="内容占位符 5">
             <a:extLst>
               <a:ext uri="{FF2B5EF4-FFF2-40B4-BE49-F238E27FC236}">
-                <a16:creationId xmlns:a16="http://schemas.microsoft.com/office/drawing/2014/main" id="{549E5422-F23C-AAEC-07BF-B2E1EA1D9EBC}"/>
+                <a16:creationId xmlns:a16="http://schemas.microsoft.com/office/drawing/2014/main" id="{7E28DA19-B3CA-0AD2-2555-FFB26D7223CC}"/>
               </a:ext>
             </a:extLst>
           </p:cNvPr>
@@ -1792,7 +1792,7 @@
           <p:cNvPr id="7" name="日期占位符 6">
             <a:extLst>
               <a:ext uri="{FF2B5EF4-FFF2-40B4-BE49-F238E27FC236}">
-                <a16:creationId xmlns:a16="http://schemas.microsoft.com/office/drawing/2014/main" id="{270F822B-3729-1AE3-1EB1-B24E8742BA2B}"/>
+                <a16:creationId xmlns:a16="http://schemas.microsoft.com/office/drawing/2014/main" id="{9BDEB71B-25C2-5812-B3D3-8770AF50B4D1}"/>
               </a:ext>
             </a:extLst>
           </p:cNvPr>
@@ -1808,7 +1808,7 @@
           <a:bodyPr/>
           <a:lstStyle/>
           <a:p>
-            <a:fld id="{AA494C2F-77BF-4954-A0CD-9783FAB22131}" type="datetimeFigureOut">
+            <a:fld id="{98DEDE36-C284-4736-B4B5-47DA388DF86C}" type="datetimeFigureOut">
               <a:rPr lang="zh-CN" altLang="en-US" smtClean="0"/>
               <a:t>2024/3/10</a:t>
             </a:fld>
@@ -1821,7 +1821,7 @@
           <p:cNvPr id="8" name="页脚占位符 7">
             <a:extLst>
               <a:ext uri="{FF2B5EF4-FFF2-40B4-BE49-F238E27FC236}">
-                <a16:creationId xmlns:a16="http://schemas.microsoft.com/office/drawing/2014/main" id="{6310D576-A48B-3B97-D040-4C857B756CB3}"/>
+                <a16:creationId xmlns:a16="http://schemas.microsoft.com/office/drawing/2014/main" id="{3C4C48D3-D730-0ACB-BF2C-D6C296DD9F56}"/>
               </a:ext>
             </a:extLst>
           </p:cNvPr>
@@ -1846,7 +1846,7 @@
           <p:cNvPr id="9" name="灯片编号占位符 8">
             <a:extLst>
               <a:ext uri="{FF2B5EF4-FFF2-40B4-BE49-F238E27FC236}">
-                <a16:creationId xmlns:a16="http://schemas.microsoft.com/office/drawing/2014/main" id="{8E75E692-542C-7C1A-D834-CA6A096D4012}"/>
+                <a16:creationId xmlns:a16="http://schemas.microsoft.com/office/drawing/2014/main" id="{16359D5F-E370-4FEE-6E29-198FB1B71489}"/>
               </a:ext>
             </a:extLst>
           </p:cNvPr>
@@ -1862,7 +1862,7 @@
           <a:bodyPr/>
           <a:lstStyle/>
           <a:p>
-            <a:fld id="{375DDF2C-2945-40C2-9992-AD4FD82ADEB2}" type="slidenum">
+            <a:fld id="{5533CF56-40E3-454B-B770-FE594F437D4B}" type="slidenum">
               <a:rPr lang="zh-CN" altLang="en-US" smtClean="0"/>
               <a:t>‹#›</a:t>
             </a:fld>
@@ -1873,7 +1873,7 @@
     </p:spTree>
     <p:extLst>
       <p:ext uri="{BB962C8B-B14F-4D97-AF65-F5344CB8AC3E}">
-        <p14:creationId xmlns:p14="http://schemas.microsoft.com/office/powerpoint/2010/main" val="2145081569"/>
+        <p14:creationId xmlns:p14="http://schemas.microsoft.com/office/powerpoint/2010/main" val="537469737"/>
       </p:ext>
     </p:extLst>
   </p:cSld>
@@ -1905,7 +1905,7 @@
           <p:cNvPr id="2" name="标题 1">
             <a:extLst>
               <a:ext uri="{FF2B5EF4-FFF2-40B4-BE49-F238E27FC236}">
-                <a16:creationId xmlns:a16="http://schemas.microsoft.com/office/drawing/2014/main" id="{EA184DB0-BBCF-E191-1743-CE31EF8DE1D1}"/>
+                <a16:creationId xmlns:a16="http://schemas.microsoft.com/office/drawing/2014/main" id="{37EFDC53-D6CC-B489-6E0F-A648126ABA57}"/>
               </a:ext>
             </a:extLst>
           </p:cNvPr>
@@ -1933,7 +1933,7 @@
           <p:cNvPr id="3" name="日期占位符 2">
             <a:extLst>
               <a:ext uri="{FF2B5EF4-FFF2-40B4-BE49-F238E27FC236}">
-                <a16:creationId xmlns:a16="http://schemas.microsoft.com/office/drawing/2014/main" id="{2FD3696A-E4E4-A102-9EE0-AFFA25C37381}"/>
+                <a16:creationId xmlns:a16="http://schemas.microsoft.com/office/drawing/2014/main" id="{D998A8DD-0629-45F0-7BBD-4065F795F1D4}"/>
               </a:ext>
             </a:extLst>
           </p:cNvPr>
@@ -1949,7 +1949,7 @@
           <a:bodyPr/>
           <a:lstStyle/>
           <a:p>
-            <a:fld id="{AA494C2F-77BF-4954-A0CD-9783FAB22131}" type="datetimeFigureOut">
+            <a:fld id="{98DEDE36-C284-4736-B4B5-47DA388DF86C}" type="datetimeFigureOut">
               <a:rPr lang="zh-CN" altLang="en-US" smtClean="0"/>
               <a:t>2024/3/10</a:t>
             </a:fld>
@@ -1962,7 +1962,7 @@
           <p:cNvPr id="4" name="页脚占位符 3">
             <a:extLst>
               <a:ext uri="{FF2B5EF4-FFF2-40B4-BE49-F238E27FC236}">
-                <a16:creationId xmlns:a16="http://schemas.microsoft.com/office/drawing/2014/main" id="{B75A0452-1DCC-B8CC-BB7C-9737C968CC2F}"/>
+                <a16:creationId xmlns:a16="http://schemas.microsoft.com/office/drawing/2014/main" id="{6A7E0631-9032-8FAD-EAAF-9390AB19BEE4}"/>
               </a:ext>
             </a:extLst>
           </p:cNvPr>
@@ -1987,7 +1987,7 @@
           <p:cNvPr id="5" name="灯片编号占位符 4">
             <a:extLst>
               <a:ext uri="{FF2B5EF4-FFF2-40B4-BE49-F238E27FC236}">
-                <a16:creationId xmlns:a16="http://schemas.microsoft.com/office/drawing/2014/main" id="{F2DD189B-16E4-BFDA-3842-40D495D9A473}"/>
+                <a16:creationId xmlns:a16="http://schemas.microsoft.com/office/drawing/2014/main" id="{A49B94CB-AEB5-145B-2240-FA2CCE9CCC83}"/>
               </a:ext>
             </a:extLst>
           </p:cNvPr>
@@ -2003,7 +2003,7 @@
           <a:bodyPr/>
           <a:lstStyle/>
           <a:p>
-            <a:fld id="{375DDF2C-2945-40C2-9992-AD4FD82ADEB2}" type="slidenum">
+            <a:fld id="{5533CF56-40E3-454B-B770-FE594F437D4B}" type="slidenum">
               <a:rPr lang="zh-CN" altLang="en-US" smtClean="0"/>
               <a:t>‹#›</a:t>
             </a:fld>
@@ -2014,7 +2014,7 @@
     </p:spTree>
     <p:extLst>
       <p:ext uri="{BB962C8B-B14F-4D97-AF65-F5344CB8AC3E}">
-        <p14:creationId xmlns:p14="http://schemas.microsoft.com/office/powerpoint/2010/main" val="934631690"/>
+        <p14:creationId xmlns:p14="http://schemas.microsoft.com/office/powerpoint/2010/main" val="1326408890"/>
       </p:ext>
     </p:extLst>
   </p:cSld>
@@ -2046,7 +2046,7 @@
           <p:cNvPr id="2" name="日期占位符 1">
             <a:extLst>
               <a:ext uri="{FF2B5EF4-FFF2-40B4-BE49-F238E27FC236}">
-                <a16:creationId xmlns:a16="http://schemas.microsoft.com/office/drawing/2014/main" id="{D35FC2D7-9698-C563-E84E-D4240A961234}"/>
+                <a16:creationId xmlns:a16="http://schemas.microsoft.com/office/drawing/2014/main" id="{602147D8-62FE-E7A7-C96B-02F0E58F22EB}"/>
               </a:ext>
             </a:extLst>
           </p:cNvPr>
@@ -2062,7 +2062,7 @@
           <a:bodyPr/>
           <a:lstStyle/>
           <a:p>
-            <a:fld id="{AA494C2F-77BF-4954-A0CD-9783FAB22131}" type="datetimeFigureOut">
+            <a:fld id="{98DEDE36-C284-4736-B4B5-47DA388DF86C}" type="datetimeFigureOut">
               <a:rPr lang="zh-CN" altLang="en-US" smtClean="0"/>
               <a:t>2024/3/10</a:t>
             </a:fld>
@@ -2075,7 +2075,7 @@
           <p:cNvPr id="3" name="页脚占位符 2">
             <a:extLst>
               <a:ext uri="{FF2B5EF4-FFF2-40B4-BE49-F238E27FC236}">
-                <a16:creationId xmlns:a16="http://schemas.microsoft.com/office/drawing/2014/main" id="{30FBCFC8-BA1E-7BB9-AA75-F02A320FD9B1}"/>
+                <a16:creationId xmlns:a16="http://schemas.microsoft.com/office/drawing/2014/main" id="{28B36FAE-4226-06F6-B637-A5B3E5FE2FDD}"/>
               </a:ext>
             </a:extLst>
           </p:cNvPr>
@@ -2100,7 +2100,7 @@
           <p:cNvPr id="4" name="灯片编号占位符 3">
             <a:extLst>
               <a:ext uri="{FF2B5EF4-FFF2-40B4-BE49-F238E27FC236}">
-                <a16:creationId xmlns:a16="http://schemas.microsoft.com/office/drawing/2014/main" id="{DB823981-BBD8-8233-3311-D049E809B405}"/>
+                <a16:creationId xmlns:a16="http://schemas.microsoft.com/office/drawing/2014/main" id="{FA1B8F10-7938-3A1E-D28F-2870C298F002}"/>
               </a:ext>
             </a:extLst>
           </p:cNvPr>
@@ -2116,7 +2116,7 @@
           <a:bodyPr/>
           <a:lstStyle/>
           <a:p>
-            <a:fld id="{375DDF2C-2945-40C2-9992-AD4FD82ADEB2}" type="slidenum">
+            <a:fld id="{5533CF56-40E3-454B-B770-FE594F437D4B}" type="slidenum">
               <a:rPr lang="zh-CN" altLang="en-US" smtClean="0"/>
               <a:t>‹#›</a:t>
             </a:fld>
@@ -2127,7 +2127,7 @@
     </p:spTree>
     <p:extLst>
       <p:ext uri="{BB962C8B-B14F-4D97-AF65-F5344CB8AC3E}">
-        <p14:creationId xmlns:p14="http://schemas.microsoft.com/office/powerpoint/2010/main" val="3361903201"/>
+        <p14:creationId xmlns:p14="http://schemas.microsoft.com/office/powerpoint/2010/main" val="138929376"/>
       </p:ext>
     </p:extLst>
   </p:cSld>
@@ -2159,7 +2159,7 @@
           <p:cNvPr id="2" name="标题 1">
             <a:extLst>
               <a:ext uri="{FF2B5EF4-FFF2-40B4-BE49-F238E27FC236}">
-                <a16:creationId xmlns:a16="http://schemas.microsoft.com/office/drawing/2014/main" id="{72D2BC8B-E7C1-0996-B455-0B2F22E21AF6}"/>
+                <a16:creationId xmlns:a16="http://schemas.microsoft.com/office/drawing/2014/main" id="{EE250E88-18B9-7010-9BB5-3CFF60A9CCB2}"/>
               </a:ext>
             </a:extLst>
           </p:cNvPr>
@@ -2196,7 +2196,7 @@
           <p:cNvPr id="3" name="内容占位符 2">
             <a:extLst>
               <a:ext uri="{FF2B5EF4-FFF2-40B4-BE49-F238E27FC236}">
-                <a16:creationId xmlns:a16="http://schemas.microsoft.com/office/drawing/2014/main" id="{397382A7-837F-2C2A-F8BA-9BD34D1A0BA6}"/>
+                <a16:creationId xmlns:a16="http://schemas.microsoft.com/office/drawing/2014/main" id="{54D8114E-97A6-B2D0-C9D5-3BB3A26C7B24}"/>
               </a:ext>
             </a:extLst>
           </p:cNvPr>
@@ -2286,7 +2286,7 @@
           <p:cNvPr id="4" name="文本占位符 3">
             <a:extLst>
               <a:ext uri="{FF2B5EF4-FFF2-40B4-BE49-F238E27FC236}">
-                <a16:creationId xmlns:a16="http://schemas.microsoft.com/office/drawing/2014/main" id="{C07E12B4-824D-6B6A-D6A5-856DED49842F}"/>
+                <a16:creationId xmlns:a16="http://schemas.microsoft.com/office/drawing/2014/main" id="{D1EACC10-A0C0-A515-D269-BE213D992BA4}"/>
               </a:ext>
             </a:extLst>
           </p:cNvPr>
@@ -2357,7 +2357,7 @@
           <p:cNvPr id="5" name="日期占位符 4">
             <a:extLst>
               <a:ext uri="{FF2B5EF4-FFF2-40B4-BE49-F238E27FC236}">
-                <a16:creationId xmlns:a16="http://schemas.microsoft.com/office/drawing/2014/main" id="{3DD8A650-1631-8B0F-666A-79D2C10CF7D4}"/>
+                <a16:creationId xmlns:a16="http://schemas.microsoft.com/office/drawing/2014/main" id="{51DA9BD1-6CE3-11DE-78FF-3122CBF50009}"/>
               </a:ext>
             </a:extLst>
           </p:cNvPr>
@@ -2373,7 +2373,7 @@
           <a:bodyPr/>
           <a:lstStyle/>
           <a:p>
-            <a:fld id="{AA494C2F-77BF-4954-A0CD-9783FAB22131}" type="datetimeFigureOut">
+            <a:fld id="{98DEDE36-C284-4736-B4B5-47DA388DF86C}" type="datetimeFigureOut">
               <a:rPr lang="zh-CN" altLang="en-US" smtClean="0"/>
               <a:t>2024/3/10</a:t>
             </a:fld>
@@ -2386,7 +2386,7 @@
           <p:cNvPr id="6" name="页脚占位符 5">
             <a:extLst>
               <a:ext uri="{FF2B5EF4-FFF2-40B4-BE49-F238E27FC236}">
-                <a16:creationId xmlns:a16="http://schemas.microsoft.com/office/drawing/2014/main" id="{57625FEC-5472-E2AD-9076-E062F565F92B}"/>
+                <a16:creationId xmlns:a16="http://schemas.microsoft.com/office/drawing/2014/main" id="{5CA13328-6014-34C9-85A6-2215DFC29373}"/>
               </a:ext>
             </a:extLst>
           </p:cNvPr>
@@ -2411,7 +2411,7 @@
           <p:cNvPr id="7" name="灯片编号占位符 6">
             <a:extLst>
               <a:ext uri="{FF2B5EF4-FFF2-40B4-BE49-F238E27FC236}">
-                <a16:creationId xmlns:a16="http://schemas.microsoft.com/office/drawing/2014/main" id="{24A6BB55-3EDF-ACB9-321E-C2672C71C8EA}"/>
+                <a16:creationId xmlns:a16="http://schemas.microsoft.com/office/drawing/2014/main" id="{BB39FBDF-6815-DEE7-293E-0A75EC4D471F}"/>
               </a:ext>
             </a:extLst>
           </p:cNvPr>
@@ -2427,7 +2427,7 @@
           <a:bodyPr/>
           <a:lstStyle/>
           <a:p>
-            <a:fld id="{375DDF2C-2945-40C2-9992-AD4FD82ADEB2}" type="slidenum">
+            <a:fld id="{5533CF56-40E3-454B-B770-FE594F437D4B}" type="slidenum">
               <a:rPr lang="zh-CN" altLang="en-US" smtClean="0"/>
               <a:t>‹#›</a:t>
             </a:fld>
@@ -2438,7 +2438,7 @@
     </p:spTree>
     <p:extLst>
       <p:ext uri="{BB962C8B-B14F-4D97-AF65-F5344CB8AC3E}">
-        <p14:creationId xmlns:p14="http://schemas.microsoft.com/office/powerpoint/2010/main" val="3598321616"/>
+        <p14:creationId xmlns:p14="http://schemas.microsoft.com/office/powerpoint/2010/main" val="3423189587"/>
       </p:ext>
     </p:extLst>
   </p:cSld>
@@ -2470,7 +2470,7 @@
           <p:cNvPr id="2" name="标题 1">
             <a:extLst>
               <a:ext uri="{FF2B5EF4-FFF2-40B4-BE49-F238E27FC236}">
-                <a16:creationId xmlns:a16="http://schemas.microsoft.com/office/drawing/2014/main" id="{8C2CA954-6F32-9518-373A-0FEEB56EEF7B}"/>
+                <a16:creationId xmlns:a16="http://schemas.microsoft.com/office/drawing/2014/main" id="{2DFAFD0F-11FA-8386-8715-94C4FE6263D1}"/>
               </a:ext>
             </a:extLst>
           </p:cNvPr>
@@ -2507,7 +2507,7 @@
           <p:cNvPr id="3" name="图片占位符 2">
             <a:extLst>
               <a:ext uri="{FF2B5EF4-FFF2-40B4-BE49-F238E27FC236}">
-                <a16:creationId xmlns:a16="http://schemas.microsoft.com/office/drawing/2014/main" id="{B49C9B76-61B3-6B03-1E84-A0BCF12454D6}"/>
+                <a16:creationId xmlns:a16="http://schemas.microsoft.com/office/drawing/2014/main" id="{225BAFC1-6CA6-4DBD-46FC-FE1C16085907}"/>
               </a:ext>
             </a:extLst>
           </p:cNvPr>
@@ -2574,7 +2574,7 @@
           <p:cNvPr id="4" name="文本占位符 3">
             <a:extLst>
               <a:ext uri="{FF2B5EF4-FFF2-40B4-BE49-F238E27FC236}">
-                <a16:creationId xmlns:a16="http://schemas.microsoft.com/office/drawing/2014/main" id="{49B1BFD2-3712-50CE-F34F-98B6C1E9B9C7}"/>
+                <a16:creationId xmlns:a16="http://schemas.microsoft.com/office/drawing/2014/main" id="{77A2DC91-A6E9-79EE-F1B8-407124E08C65}"/>
               </a:ext>
             </a:extLst>
           </p:cNvPr>
@@ -2645,7 +2645,7 @@
           <p:cNvPr id="5" name="日期占位符 4">
             <a:extLst>
               <a:ext uri="{FF2B5EF4-FFF2-40B4-BE49-F238E27FC236}">
-                <a16:creationId xmlns:a16="http://schemas.microsoft.com/office/drawing/2014/main" id="{176C48A1-D5F0-AA03-42B8-AA642896127C}"/>
+                <a16:creationId xmlns:a16="http://schemas.microsoft.com/office/drawing/2014/main" id="{7B620759-82C1-04D6-D9B9-1BEF75F04B6D}"/>
               </a:ext>
             </a:extLst>
           </p:cNvPr>
@@ -2661,7 +2661,7 @@
           <a:bodyPr/>
           <a:lstStyle/>
           <a:p>
-            <a:fld id="{AA494C2F-77BF-4954-A0CD-9783FAB22131}" type="datetimeFigureOut">
+            <a:fld id="{98DEDE36-C284-4736-B4B5-47DA388DF86C}" type="datetimeFigureOut">
               <a:rPr lang="zh-CN" altLang="en-US" smtClean="0"/>
               <a:t>2024/3/10</a:t>
             </a:fld>
@@ -2674,7 +2674,7 @@
           <p:cNvPr id="6" name="页脚占位符 5">
             <a:extLst>
               <a:ext uri="{FF2B5EF4-FFF2-40B4-BE49-F238E27FC236}">
-                <a16:creationId xmlns:a16="http://schemas.microsoft.com/office/drawing/2014/main" id="{D11E7C01-046E-AB20-9B32-216994C6EFBD}"/>
+                <a16:creationId xmlns:a16="http://schemas.microsoft.com/office/drawing/2014/main" id="{35D22DB2-6CEE-23F7-7820-2C1097676E43}"/>
               </a:ext>
             </a:extLst>
           </p:cNvPr>
@@ -2699,7 +2699,7 @@
           <p:cNvPr id="7" name="灯片编号占位符 6">
             <a:extLst>
               <a:ext uri="{FF2B5EF4-FFF2-40B4-BE49-F238E27FC236}">
-                <a16:creationId xmlns:a16="http://schemas.microsoft.com/office/drawing/2014/main" id="{86F56481-C336-7ACD-E6FA-6EA2FA10A180}"/>
+                <a16:creationId xmlns:a16="http://schemas.microsoft.com/office/drawing/2014/main" id="{39B25D3F-AE63-73AD-5EEF-6A1CE134DBF8}"/>
               </a:ext>
             </a:extLst>
           </p:cNvPr>
@@ -2715,7 +2715,7 @@
           <a:bodyPr/>
           <a:lstStyle/>
           <a:p>
-            <a:fld id="{375DDF2C-2945-40C2-9992-AD4FD82ADEB2}" type="slidenum">
+            <a:fld id="{5533CF56-40E3-454B-B770-FE594F437D4B}" type="slidenum">
               <a:rPr lang="zh-CN" altLang="en-US" smtClean="0"/>
               <a:t>‹#›</a:t>
             </a:fld>
@@ -2726,7 +2726,7 @@
     </p:spTree>
     <p:extLst>
       <p:ext uri="{BB962C8B-B14F-4D97-AF65-F5344CB8AC3E}">
-        <p14:creationId xmlns:p14="http://schemas.microsoft.com/office/powerpoint/2010/main" val="1140522709"/>
+        <p14:creationId xmlns:p14="http://schemas.microsoft.com/office/powerpoint/2010/main" val="4193126935"/>
       </p:ext>
     </p:extLst>
   </p:cSld>
@@ -2763,7 +2763,7 @@
           <p:cNvPr id="2" name="标题占位符 1">
             <a:extLst>
               <a:ext uri="{FF2B5EF4-FFF2-40B4-BE49-F238E27FC236}">
-                <a16:creationId xmlns:a16="http://schemas.microsoft.com/office/drawing/2014/main" id="{61669A36-EC47-91FF-D688-4E38F2A69792}"/>
+                <a16:creationId xmlns:a16="http://schemas.microsoft.com/office/drawing/2014/main" id="{DB02ED4F-E779-3787-B3D5-AE7FB0C24CAD}"/>
               </a:ext>
             </a:extLst>
           </p:cNvPr>
@@ -2801,7 +2801,7 @@
           <p:cNvPr id="3" name="文本占位符 2">
             <a:extLst>
               <a:ext uri="{FF2B5EF4-FFF2-40B4-BE49-F238E27FC236}">
-                <a16:creationId xmlns:a16="http://schemas.microsoft.com/office/drawing/2014/main" id="{76BC7201-B1E6-2D68-7F97-8649B877E66E}"/>
+                <a16:creationId xmlns:a16="http://schemas.microsoft.com/office/drawing/2014/main" id="{6CF661A7-688C-2ACC-72D9-611FBEA1BD61}"/>
               </a:ext>
             </a:extLst>
           </p:cNvPr>
@@ -2868,7 +2868,7 @@
           <p:cNvPr id="4" name="日期占位符 3">
             <a:extLst>
               <a:ext uri="{FF2B5EF4-FFF2-40B4-BE49-F238E27FC236}">
-                <a16:creationId xmlns:a16="http://schemas.microsoft.com/office/drawing/2014/main" id="{DE61F14E-DBBF-0DB7-7DB5-4AFB6AED74F2}"/>
+                <a16:creationId xmlns:a16="http://schemas.microsoft.com/office/drawing/2014/main" id="{79DBF7FE-126E-4B08-BDA9-2F529898BE5E}"/>
               </a:ext>
             </a:extLst>
           </p:cNvPr>
@@ -2902,7 +2902,7 @@
             </a:lvl1pPr>
           </a:lstStyle>
           <a:p>
-            <a:fld id="{AA494C2F-77BF-4954-A0CD-9783FAB22131}" type="datetimeFigureOut">
+            <a:fld id="{98DEDE36-C284-4736-B4B5-47DA388DF86C}" type="datetimeFigureOut">
               <a:rPr lang="zh-CN" altLang="en-US" smtClean="0"/>
               <a:t>2024/3/10</a:t>
             </a:fld>
@@ -2915,7 +2915,7 @@
           <p:cNvPr id="5" name="页脚占位符 4">
             <a:extLst>
               <a:ext uri="{FF2B5EF4-FFF2-40B4-BE49-F238E27FC236}">
-                <a16:creationId xmlns:a16="http://schemas.microsoft.com/office/drawing/2014/main" id="{727C3B16-91D8-7538-52CB-1EED7A991ABF}"/>
+                <a16:creationId xmlns:a16="http://schemas.microsoft.com/office/drawing/2014/main" id="{0D08DD81-F5B0-23C2-76F0-17CB1838F69E}"/>
               </a:ext>
             </a:extLst>
           </p:cNvPr>
@@ -2958,7 +2958,7 @@
           <p:cNvPr id="6" name="灯片编号占位符 5">
             <a:extLst>
               <a:ext uri="{FF2B5EF4-FFF2-40B4-BE49-F238E27FC236}">
-                <a16:creationId xmlns:a16="http://schemas.microsoft.com/office/drawing/2014/main" id="{B9936BCD-079E-71FA-C3DD-3DD9AABDB6C9}"/>
+                <a16:creationId xmlns:a16="http://schemas.microsoft.com/office/drawing/2014/main" id="{D1BF4D13-1636-F7D3-4A26-F08A23ABC1CF}"/>
               </a:ext>
             </a:extLst>
           </p:cNvPr>
@@ -2992,7 +2992,7 @@
             </a:lvl1pPr>
           </a:lstStyle>
           <a:p>
-            <a:fld id="{375DDF2C-2945-40C2-9992-AD4FD82ADEB2}" type="slidenum">
+            <a:fld id="{5533CF56-40E3-454B-B770-FE594F437D4B}" type="slidenum">
               <a:rPr lang="zh-CN" altLang="en-US" smtClean="0"/>
               <a:t>‹#›</a:t>
             </a:fld>
@@ -3003,7 +3003,7 @@
     </p:spTree>
     <p:extLst>
       <p:ext uri="{BB962C8B-B14F-4D97-AF65-F5344CB8AC3E}">
-        <p14:creationId xmlns:p14="http://schemas.microsoft.com/office/powerpoint/2010/main" val="751086960"/>
+        <p14:creationId xmlns:p14="http://schemas.microsoft.com/office/powerpoint/2010/main" val="1416011673"/>
       </p:ext>
     </p:extLst>
   </p:cSld>
